--- a/ppt 16-9/0576.爱喜乐生命.pptx
+++ b/ppt 16-9/0576.爱喜乐生命.pptx
@@ -5,7 +5,7 @@
     <p:sldMasterId id="2147483648" r:id="rId1"/>
   </p:sldMasterIdLst>
   <p:sldIdLst>
-    <p:sldId id="2340" r:id="rId2"/>
+    <p:sldId id="2341" r:id="rId2"/>
   </p:sldIdLst>
   <p:sldSz cx="12192000" cy="6858000"/>
   <p:notesSz cx="6858000" cy="9144000"/>
@@ -129,7 +129,7 @@
           <p:cNvPr id="2" name="标题 1">
             <a:extLst>
               <a:ext uri="{FF2B5EF4-FFF2-40B4-BE49-F238E27FC236}">
-                <a16:creationId xmlns:a16="http://schemas.microsoft.com/office/drawing/2014/main" id="{1D5F0C48-7775-49CF-E221-0163F85D0DD2}"/>
+                <a16:creationId xmlns:a16="http://schemas.microsoft.com/office/drawing/2014/main" id="{BBDA657A-C549-7C8A-97FD-896D47FA545C}"/>
               </a:ext>
             </a:extLst>
           </p:cNvPr>
@@ -166,7 +166,7 @@
           <p:cNvPr id="3" name="副标题 2">
             <a:extLst>
               <a:ext uri="{FF2B5EF4-FFF2-40B4-BE49-F238E27FC236}">
-                <a16:creationId xmlns:a16="http://schemas.microsoft.com/office/drawing/2014/main" id="{B0F651A0-1AFD-3D76-64F1-F2C3401438E6}"/>
+                <a16:creationId xmlns:a16="http://schemas.microsoft.com/office/drawing/2014/main" id="{3437ED33-D5D5-DCF7-76F6-CEDD4B570B03}"/>
               </a:ext>
             </a:extLst>
           </p:cNvPr>
@@ -236,7 +236,7 @@
           <p:cNvPr id="4" name="日期占位符 3">
             <a:extLst>
               <a:ext uri="{FF2B5EF4-FFF2-40B4-BE49-F238E27FC236}">
-                <a16:creationId xmlns:a16="http://schemas.microsoft.com/office/drawing/2014/main" id="{30FF29C6-9100-0003-89D1-1CBB7B66BBB5}"/>
+                <a16:creationId xmlns:a16="http://schemas.microsoft.com/office/drawing/2014/main" id="{51C217BD-714F-F31F-73BB-160FB67CECAD}"/>
               </a:ext>
             </a:extLst>
           </p:cNvPr>
@@ -252,7 +252,7 @@
           <a:bodyPr/>
           <a:lstStyle/>
           <a:p>
-            <a:fld id="{AD7CA53B-39E4-42D0-AC12-6BF0037CC133}" type="datetimeFigureOut">
+            <a:fld id="{01F56F21-9B61-43E1-8744-1381730B6C78}" type="datetimeFigureOut">
               <a:rPr lang="zh-CN" altLang="en-US" smtClean="0"/>
               <a:t>2024/3/10</a:t>
             </a:fld>
@@ -265,7 +265,7 @@
           <p:cNvPr id="5" name="页脚占位符 4">
             <a:extLst>
               <a:ext uri="{FF2B5EF4-FFF2-40B4-BE49-F238E27FC236}">
-                <a16:creationId xmlns:a16="http://schemas.microsoft.com/office/drawing/2014/main" id="{3DE20A95-BA76-0199-87D2-22954D31715B}"/>
+                <a16:creationId xmlns:a16="http://schemas.microsoft.com/office/drawing/2014/main" id="{61F90C70-A178-BC5B-9C76-6742579F61A9}"/>
               </a:ext>
             </a:extLst>
           </p:cNvPr>
@@ -290,7 +290,7 @@
           <p:cNvPr id="6" name="灯片编号占位符 5">
             <a:extLst>
               <a:ext uri="{FF2B5EF4-FFF2-40B4-BE49-F238E27FC236}">
-                <a16:creationId xmlns:a16="http://schemas.microsoft.com/office/drawing/2014/main" id="{8665865C-3D8F-A78D-A80F-3878ABBD9812}"/>
+                <a16:creationId xmlns:a16="http://schemas.microsoft.com/office/drawing/2014/main" id="{AD33AEC7-488E-09B8-43A3-C9571BF58B5C}"/>
               </a:ext>
             </a:extLst>
           </p:cNvPr>
@@ -306,7 +306,7 @@
           <a:bodyPr/>
           <a:lstStyle/>
           <a:p>
-            <a:fld id="{856D5DB6-B112-4DAD-84FD-D429EB0773B6}" type="slidenum">
+            <a:fld id="{4412C805-8376-44DE-9239-E941043B9C40}" type="slidenum">
               <a:rPr lang="zh-CN" altLang="en-US" smtClean="0"/>
               <a:t>‹#›</a:t>
             </a:fld>
@@ -317,7 +317,7 @@
     </p:spTree>
     <p:extLst>
       <p:ext uri="{BB962C8B-B14F-4D97-AF65-F5344CB8AC3E}">
-        <p14:creationId xmlns:p14="http://schemas.microsoft.com/office/powerpoint/2010/main" val="280770730"/>
+        <p14:creationId xmlns:p14="http://schemas.microsoft.com/office/powerpoint/2010/main" val="1025197751"/>
       </p:ext>
     </p:extLst>
   </p:cSld>
@@ -349,7 +349,7 @@
           <p:cNvPr id="2" name="标题 1">
             <a:extLst>
               <a:ext uri="{FF2B5EF4-FFF2-40B4-BE49-F238E27FC236}">
-                <a16:creationId xmlns:a16="http://schemas.microsoft.com/office/drawing/2014/main" id="{0DB7D387-74A2-D641-28EC-F897735E3A2D}"/>
+                <a16:creationId xmlns:a16="http://schemas.microsoft.com/office/drawing/2014/main" id="{99FF499F-3886-88FE-CEB3-3A1B2242FAB1}"/>
               </a:ext>
             </a:extLst>
           </p:cNvPr>
@@ -377,7 +377,7 @@
           <p:cNvPr id="3" name="竖排文字占位符 2">
             <a:extLst>
               <a:ext uri="{FF2B5EF4-FFF2-40B4-BE49-F238E27FC236}">
-                <a16:creationId xmlns:a16="http://schemas.microsoft.com/office/drawing/2014/main" id="{B83E797C-BA00-EB0F-41A1-7DF995123A5A}"/>
+                <a16:creationId xmlns:a16="http://schemas.microsoft.com/office/drawing/2014/main" id="{AA71CFFF-33F3-994F-9664-26422EABD608}"/>
               </a:ext>
             </a:extLst>
           </p:cNvPr>
@@ -434,7 +434,7 @@
           <p:cNvPr id="4" name="日期占位符 3">
             <a:extLst>
               <a:ext uri="{FF2B5EF4-FFF2-40B4-BE49-F238E27FC236}">
-                <a16:creationId xmlns:a16="http://schemas.microsoft.com/office/drawing/2014/main" id="{C1FD77E5-B756-89D4-A505-941DCAB509D9}"/>
+                <a16:creationId xmlns:a16="http://schemas.microsoft.com/office/drawing/2014/main" id="{22ED29A4-1029-8E0E-1568-1EF3F9B99384}"/>
               </a:ext>
             </a:extLst>
           </p:cNvPr>
@@ -450,7 +450,7 @@
           <a:bodyPr/>
           <a:lstStyle/>
           <a:p>
-            <a:fld id="{AD7CA53B-39E4-42D0-AC12-6BF0037CC133}" type="datetimeFigureOut">
+            <a:fld id="{01F56F21-9B61-43E1-8744-1381730B6C78}" type="datetimeFigureOut">
               <a:rPr lang="zh-CN" altLang="en-US" smtClean="0"/>
               <a:t>2024/3/10</a:t>
             </a:fld>
@@ -463,7 +463,7 @@
           <p:cNvPr id="5" name="页脚占位符 4">
             <a:extLst>
               <a:ext uri="{FF2B5EF4-FFF2-40B4-BE49-F238E27FC236}">
-                <a16:creationId xmlns:a16="http://schemas.microsoft.com/office/drawing/2014/main" id="{62B19984-87F0-4AB9-D54F-CD18131FCF94}"/>
+                <a16:creationId xmlns:a16="http://schemas.microsoft.com/office/drawing/2014/main" id="{E561FF9C-7132-13DC-D514-9B3436E0DAD6}"/>
               </a:ext>
             </a:extLst>
           </p:cNvPr>
@@ -488,7 +488,7 @@
           <p:cNvPr id="6" name="灯片编号占位符 5">
             <a:extLst>
               <a:ext uri="{FF2B5EF4-FFF2-40B4-BE49-F238E27FC236}">
-                <a16:creationId xmlns:a16="http://schemas.microsoft.com/office/drawing/2014/main" id="{D93CF52D-1933-23C0-D470-1B882C972D39}"/>
+                <a16:creationId xmlns:a16="http://schemas.microsoft.com/office/drawing/2014/main" id="{6D45FB4E-E778-A505-A5E0-196855A8B0E1}"/>
               </a:ext>
             </a:extLst>
           </p:cNvPr>
@@ -504,7 +504,7 @@
           <a:bodyPr/>
           <a:lstStyle/>
           <a:p>
-            <a:fld id="{856D5DB6-B112-4DAD-84FD-D429EB0773B6}" type="slidenum">
+            <a:fld id="{4412C805-8376-44DE-9239-E941043B9C40}" type="slidenum">
               <a:rPr lang="zh-CN" altLang="en-US" smtClean="0"/>
               <a:t>‹#›</a:t>
             </a:fld>
@@ -515,7 +515,7 @@
     </p:spTree>
     <p:extLst>
       <p:ext uri="{BB962C8B-B14F-4D97-AF65-F5344CB8AC3E}">
-        <p14:creationId xmlns:p14="http://schemas.microsoft.com/office/powerpoint/2010/main" val="1835871682"/>
+        <p14:creationId xmlns:p14="http://schemas.microsoft.com/office/powerpoint/2010/main" val="279570151"/>
       </p:ext>
     </p:extLst>
   </p:cSld>
@@ -547,7 +547,7 @@
           <p:cNvPr id="2" name="竖排标题 1">
             <a:extLst>
               <a:ext uri="{FF2B5EF4-FFF2-40B4-BE49-F238E27FC236}">
-                <a16:creationId xmlns:a16="http://schemas.microsoft.com/office/drawing/2014/main" id="{ED1828DC-7D40-7B5F-9244-03D9CEA2A2D4}"/>
+                <a16:creationId xmlns:a16="http://schemas.microsoft.com/office/drawing/2014/main" id="{BBEB8B6F-F267-5BB5-1A18-447180C6D1D4}"/>
               </a:ext>
             </a:extLst>
           </p:cNvPr>
@@ -580,7 +580,7 @@
           <p:cNvPr id="3" name="竖排文字占位符 2">
             <a:extLst>
               <a:ext uri="{FF2B5EF4-FFF2-40B4-BE49-F238E27FC236}">
-                <a16:creationId xmlns:a16="http://schemas.microsoft.com/office/drawing/2014/main" id="{0B24CBA0-457E-F38D-660A-8A6DAAA99C2C}"/>
+                <a16:creationId xmlns:a16="http://schemas.microsoft.com/office/drawing/2014/main" id="{C7A08FF8-97EB-438D-4533-278ED938DCF8}"/>
               </a:ext>
             </a:extLst>
           </p:cNvPr>
@@ -642,7 +642,7 @@
           <p:cNvPr id="4" name="日期占位符 3">
             <a:extLst>
               <a:ext uri="{FF2B5EF4-FFF2-40B4-BE49-F238E27FC236}">
-                <a16:creationId xmlns:a16="http://schemas.microsoft.com/office/drawing/2014/main" id="{38A57988-1D13-3C47-6867-A99C6F365523}"/>
+                <a16:creationId xmlns:a16="http://schemas.microsoft.com/office/drawing/2014/main" id="{69E56132-D9AF-466A-18BE-E566C70A3D2F}"/>
               </a:ext>
             </a:extLst>
           </p:cNvPr>
@@ -658,7 +658,7 @@
           <a:bodyPr/>
           <a:lstStyle/>
           <a:p>
-            <a:fld id="{AD7CA53B-39E4-42D0-AC12-6BF0037CC133}" type="datetimeFigureOut">
+            <a:fld id="{01F56F21-9B61-43E1-8744-1381730B6C78}" type="datetimeFigureOut">
               <a:rPr lang="zh-CN" altLang="en-US" smtClean="0"/>
               <a:t>2024/3/10</a:t>
             </a:fld>
@@ -671,7 +671,7 @@
           <p:cNvPr id="5" name="页脚占位符 4">
             <a:extLst>
               <a:ext uri="{FF2B5EF4-FFF2-40B4-BE49-F238E27FC236}">
-                <a16:creationId xmlns:a16="http://schemas.microsoft.com/office/drawing/2014/main" id="{556A9E8C-1D40-79DE-9996-9A1D1FD60DD4}"/>
+                <a16:creationId xmlns:a16="http://schemas.microsoft.com/office/drawing/2014/main" id="{7BD07008-A1E4-DA06-C401-DBB2D3EFFC01}"/>
               </a:ext>
             </a:extLst>
           </p:cNvPr>
@@ -696,7 +696,7 @@
           <p:cNvPr id="6" name="灯片编号占位符 5">
             <a:extLst>
               <a:ext uri="{FF2B5EF4-FFF2-40B4-BE49-F238E27FC236}">
-                <a16:creationId xmlns:a16="http://schemas.microsoft.com/office/drawing/2014/main" id="{07DB4773-CAA6-A5A3-C046-534D8056F870}"/>
+                <a16:creationId xmlns:a16="http://schemas.microsoft.com/office/drawing/2014/main" id="{A0CBD661-18D5-4890-2761-4344F11AFDDA}"/>
               </a:ext>
             </a:extLst>
           </p:cNvPr>
@@ -712,7 +712,7 @@
           <a:bodyPr/>
           <a:lstStyle/>
           <a:p>
-            <a:fld id="{856D5DB6-B112-4DAD-84FD-D429EB0773B6}" type="slidenum">
+            <a:fld id="{4412C805-8376-44DE-9239-E941043B9C40}" type="slidenum">
               <a:rPr lang="zh-CN" altLang="en-US" smtClean="0"/>
               <a:t>‹#›</a:t>
             </a:fld>
@@ -723,7 +723,7 @@
     </p:spTree>
     <p:extLst>
       <p:ext uri="{BB962C8B-B14F-4D97-AF65-F5344CB8AC3E}">
-        <p14:creationId xmlns:p14="http://schemas.microsoft.com/office/powerpoint/2010/main" val="3844115417"/>
+        <p14:creationId xmlns:p14="http://schemas.microsoft.com/office/powerpoint/2010/main" val="3515113049"/>
       </p:ext>
     </p:extLst>
   </p:cSld>
@@ -755,7 +755,7 @@
           <p:cNvPr id="2" name="标题 1">
             <a:extLst>
               <a:ext uri="{FF2B5EF4-FFF2-40B4-BE49-F238E27FC236}">
-                <a16:creationId xmlns:a16="http://schemas.microsoft.com/office/drawing/2014/main" id="{7C13CB52-E3D8-45DC-D9AD-0B0DE24A79A1}"/>
+                <a16:creationId xmlns:a16="http://schemas.microsoft.com/office/drawing/2014/main" id="{7B24131A-33C2-0C94-5C81-50BEE81F911F}"/>
               </a:ext>
             </a:extLst>
           </p:cNvPr>
@@ -783,7 +783,7 @@
           <p:cNvPr id="3" name="内容占位符 2">
             <a:extLst>
               <a:ext uri="{FF2B5EF4-FFF2-40B4-BE49-F238E27FC236}">
-                <a16:creationId xmlns:a16="http://schemas.microsoft.com/office/drawing/2014/main" id="{2C63D073-1D92-0426-43C3-98467773014C}"/>
+                <a16:creationId xmlns:a16="http://schemas.microsoft.com/office/drawing/2014/main" id="{233C72FC-D108-87B4-0A43-78B64F948ED7}"/>
               </a:ext>
             </a:extLst>
           </p:cNvPr>
@@ -840,7 +840,7 @@
           <p:cNvPr id="4" name="日期占位符 3">
             <a:extLst>
               <a:ext uri="{FF2B5EF4-FFF2-40B4-BE49-F238E27FC236}">
-                <a16:creationId xmlns:a16="http://schemas.microsoft.com/office/drawing/2014/main" id="{79AAEFDF-4D6A-B55C-AC66-DC0BCCEBFD3E}"/>
+                <a16:creationId xmlns:a16="http://schemas.microsoft.com/office/drawing/2014/main" id="{D042011D-4689-D46C-D184-850B23C88627}"/>
               </a:ext>
             </a:extLst>
           </p:cNvPr>
@@ -856,7 +856,7 @@
           <a:bodyPr/>
           <a:lstStyle/>
           <a:p>
-            <a:fld id="{AD7CA53B-39E4-42D0-AC12-6BF0037CC133}" type="datetimeFigureOut">
+            <a:fld id="{01F56F21-9B61-43E1-8744-1381730B6C78}" type="datetimeFigureOut">
               <a:rPr lang="zh-CN" altLang="en-US" smtClean="0"/>
               <a:t>2024/3/10</a:t>
             </a:fld>
@@ -869,7 +869,7 @@
           <p:cNvPr id="5" name="页脚占位符 4">
             <a:extLst>
               <a:ext uri="{FF2B5EF4-FFF2-40B4-BE49-F238E27FC236}">
-                <a16:creationId xmlns:a16="http://schemas.microsoft.com/office/drawing/2014/main" id="{36F4A290-80D0-F352-B333-13CA6B91B279}"/>
+                <a16:creationId xmlns:a16="http://schemas.microsoft.com/office/drawing/2014/main" id="{2BEB79F9-48DF-B929-B13B-6D8D14E7DBD3}"/>
               </a:ext>
             </a:extLst>
           </p:cNvPr>
@@ -894,7 +894,7 @@
           <p:cNvPr id="6" name="灯片编号占位符 5">
             <a:extLst>
               <a:ext uri="{FF2B5EF4-FFF2-40B4-BE49-F238E27FC236}">
-                <a16:creationId xmlns:a16="http://schemas.microsoft.com/office/drawing/2014/main" id="{7A81346B-C41F-3BD3-2266-6570E925610C}"/>
+                <a16:creationId xmlns:a16="http://schemas.microsoft.com/office/drawing/2014/main" id="{F334F859-65A1-54F9-D23F-4D056AE54989}"/>
               </a:ext>
             </a:extLst>
           </p:cNvPr>
@@ -910,7 +910,7 @@
           <a:bodyPr/>
           <a:lstStyle/>
           <a:p>
-            <a:fld id="{856D5DB6-B112-4DAD-84FD-D429EB0773B6}" type="slidenum">
+            <a:fld id="{4412C805-8376-44DE-9239-E941043B9C40}" type="slidenum">
               <a:rPr lang="zh-CN" altLang="en-US" smtClean="0"/>
               <a:t>‹#›</a:t>
             </a:fld>
@@ -921,7 +921,7 @@
     </p:spTree>
     <p:extLst>
       <p:ext uri="{BB962C8B-B14F-4D97-AF65-F5344CB8AC3E}">
-        <p14:creationId xmlns:p14="http://schemas.microsoft.com/office/powerpoint/2010/main" val="2433193068"/>
+        <p14:creationId xmlns:p14="http://schemas.microsoft.com/office/powerpoint/2010/main" val="1218865376"/>
       </p:ext>
     </p:extLst>
   </p:cSld>
@@ -953,7 +953,7 @@
           <p:cNvPr id="2" name="标题 1">
             <a:extLst>
               <a:ext uri="{FF2B5EF4-FFF2-40B4-BE49-F238E27FC236}">
-                <a16:creationId xmlns:a16="http://schemas.microsoft.com/office/drawing/2014/main" id="{0955063E-CD64-D960-42B6-C8199594CCAF}"/>
+                <a16:creationId xmlns:a16="http://schemas.microsoft.com/office/drawing/2014/main" id="{0BDFF6C1-0E49-C086-EEDA-14791F332F34}"/>
               </a:ext>
             </a:extLst>
           </p:cNvPr>
@@ -990,7 +990,7 @@
           <p:cNvPr id="3" name="文本占位符 2">
             <a:extLst>
               <a:ext uri="{FF2B5EF4-FFF2-40B4-BE49-F238E27FC236}">
-                <a16:creationId xmlns:a16="http://schemas.microsoft.com/office/drawing/2014/main" id="{888BFA5A-856C-2EAB-B5DD-357E757BAD04}"/>
+                <a16:creationId xmlns:a16="http://schemas.microsoft.com/office/drawing/2014/main" id="{45BD37BA-A071-95A5-4C4A-62DE7E0264F2}"/>
               </a:ext>
             </a:extLst>
           </p:cNvPr>
@@ -1115,7 +1115,7 @@
           <p:cNvPr id="4" name="日期占位符 3">
             <a:extLst>
               <a:ext uri="{FF2B5EF4-FFF2-40B4-BE49-F238E27FC236}">
-                <a16:creationId xmlns:a16="http://schemas.microsoft.com/office/drawing/2014/main" id="{D61E8696-AA8F-0DDF-C3E3-6198DFA1F8E1}"/>
+                <a16:creationId xmlns:a16="http://schemas.microsoft.com/office/drawing/2014/main" id="{B2422CD5-9688-853F-641D-512AB1131AC0}"/>
               </a:ext>
             </a:extLst>
           </p:cNvPr>
@@ -1131,7 +1131,7 @@
           <a:bodyPr/>
           <a:lstStyle/>
           <a:p>
-            <a:fld id="{AD7CA53B-39E4-42D0-AC12-6BF0037CC133}" type="datetimeFigureOut">
+            <a:fld id="{01F56F21-9B61-43E1-8744-1381730B6C78}" type="datetimeFigureOut">
               <a:rPr lang="zh-CN" altLang="en-US" smtClean="0"/>
               <a:t>2024/3/10</a:t>
             </a:fld>
@@ -1144,7 +1144,7 @@
           <p:cNvPr id="5" name="页脚占位符 4">
             <a:extLst>
               <a:ext uri="{FF2B5EF4-FFF2-40B4-BE49-F238E27FC236}">
-                <a16:creationId xmlns:a16="http://schemas.microsoft.com/office/drawing/2014/main" id="{3BE42EFA-9E0F-AE35-9C24-646016F07D59}"/>
+                <a16:creationId xmlns:a16="http://schemas.microsoft.com/office/drawing/2014/main" id="{51C0BE8B-CAB4-68F1-7A85-9B5DCE5C7AAA}"/>
               </a:ext>
             </a:extLst>
           </p:cNvPr>
@@ -1169,7 +1169,7 @@
           <p:cNvPr id="6" name="灯片编号占位符 5">
             <a:extLst>
               <a:ext uri="{FF2B5EF4-FFF2-40B4-BE49-F238E27FC236}">
-                <a16:creationId xmlns:a16="http://schemas.microsoft.com/office/drawing/2014/main" id="{31781D61-6E64-FA86-76DC-AE1A6F320064}"/>
+                <a16:creationId xmlns:a16="http://schemas.microsoft.com/office/drawing/2014/main" id="{676D33C5-ABCB-1610-AB70-6A0574935F52}"/>
               </a:ext>
             </a:extLst>
           </p:cNvPr>
@@ -1185,7 +1185,7 @@
           <a:bodyPr/>
           <a:lstStyle/>
           <a:p>
-            <a:fld id="{856D5DB6-B112-4DAD-84FD-D429EB0773B6}" type="slidenum">
+            <a:fld id="{4412C805-8376-44DE-9239-E941043B9C40}" type="slidenum">
               <a:rPr lang="zh-CN" altLang="en-US" smtClean="0"/>
               <a:t>‹#›</a:t>
             </a:fld>
@@ -1196,7 +1196,7 @@
     </p:spTree>
     <p:extLst>
       <p:ext uri="{BB962C8B-B14F-4D97-AF65-F5344CB8AC3E}">
-        <p14:creationId xmlns:p14="http://schemas.microsoft.com/office/powerpoint/2010/main" val="3317132341"/>
+        <p14:creationId xmlns:p14="http://schemas.microsoft.com/office/powerpoint/2010/main" val="1956564081"/>
       </p:ext>
     </p:extLst>
   </p:cSld>
@@ -1228,7 +1228,7 @@
           <p:cNvPr id="2" name="标题 1">
             <a:extLst>
               <a:ext uri="{FF2B5EF4-FFF2-40B4-BE49-F238E27FC236}">
-                <a16:creationId xmlns:a16="http://schemas.microsoft.com/office/drawing/2014/main" id="{F38129F6-D0DA-C6F3-F841-D843A1060EF6}"/>
+                <a16:creationId xmlns:a16="http://schemas.microsoft.com/office/drawing/2014/main" id="{4500DB08-E5E1-C28C-62BC-A7F3B0E6D29C}"/>
               </a:ext>
             </a:extLst>
           </p:cNvPr>
@@ -1256,7 +1256,7 @@
           <p:cNvPr id="3" name="内容占位符 2">
             <a:extLst>
               <a:ext uri="{FF2B5EF4-FFF2-40B4-BE49-F238E27FC236}">
-                <a16:creationId xmlns:a16="http://schemas.microsoft.com/office/drawing/2014/main" id="{C55D68F8-6154-8C83-66B4-9E3F842BC59F}"/>
+                <a16:creationId xmlns:a16="http://schemas.microsoft.com/office/drawing/2014/main" id="{F5B23027-A62E-C1EE-452B-6F14F4A34AA3}"/>
               </a:ext>
             </a:extLst>
           </p:cNvPr>
@@ -1318,7 +1318,7 @@
           <p:cNvPr id="4" name="内容占位符 3">
             <a:extLst>
               <a:ext uri="{FF2B5EF4-FFF2-40B4-BE49-F238E27FC236}">
-                <a16:creationId xmlns:a16="http://schemas.microsoft.com/office/drawing/2014/main" id="{1F537C63-BAA4-F98A-E44E-F6AB409A62C8}"/>
+                <a16:creationId xmlns:a16="http://schemas.microsoft.com/office/drawing/2014/main" id="{58200C82-CFF6-3F31-2D50-CAE2B7FEFA53}"/>
               </a:ext>
             </a:extLst>
           </p:cNvPr>
@@ -1380,7 +1380,7 @@
           <p:cNvPr id="5" name="日期占位符 4">
             <a:extLst>
               <a:ext uri="{FF2B5EF4-FFF2-40B4-BE49-F238E27FC236}">
-                <a16:creationId xmlns:a16="http://schemas.microsoft.com/office/drawing/2014/main" id="{9F57F153-7453-2012-009F-C1AE1C69F1F5}"/>
+                <a16:creationId xmlns:a16="http://schemas.microsoft.com/office/drawing/2014/main" id="{CB8FC696-B16E-CC51-C08E-95A16F838072}"/>
               </a:ext>
             </a:extLst>
           </p:cNvPr>
@@ -1396,7 +1396,7 @@
           <a:bodyPr/>
           <a:lstStyle/>
           <a:p>
-            <a:fld id="{AD7CA53B-39E4-42D0-AC12-6BF0037CC133}" type="datetimeFigureOut">
+            <a:fld id="{01F56F21-9B61-43E1-8744-1381730B6C78}" type="datetimeFigureOut">
               <a:rPr lang="zh-CN" altLang="en-US" smtClean="0"/>
               <a:t>2024/3/10</a:t>
             </a:fld>
@@ -1409,7 +1409,7 @@
           <p:cNvPr id="6" name="页脚占位符 5">
             <a:extLst>
               <a:ext uri="{FF2B5EF4-FFF2-40B4-BE49-F238E27FC236}">
-                <a16:creationId xmlns:a16="http://schemas.microsoft.com/office/drawing/2014/main" id="{54C41FCC-6E81-BAEF-2C1B-D25E3BE191FA}"/>
+                <a16:creationId xmlns:a16="http://schemas.microsoft.com/office/drawing/2014/main" id="{4A4B65DE-65BB-DD4E-E7BF-B12DBF560E8A}"/>
               </a:ext>
             </a:extLst>
           </p:cNvPr>
@@ -1434,7 +1434,7 @@
           <p:cNvPr id="7" name="灯片编号占位符 6">
             <a:extLst>
               <a:ext uri="{FF2B5EF4-FFF2-40B4-BE49-F238E27FC236}">
-                <a16:creationId xmlns:a16="http://schemas.microsoft.com/office/drawing/2014/main" id="{360EC0BE-D6B3-5973-6435-C617F498BB5D}"/>
+                <a16:creationId xmlns:a16="http://schemas.microsoft.com/office/drawing/2014/main" id="{1522359D-4227-F625-3C12-584402C01254}"/>
               </a:ext>
             </a:extLst>
           </p:cNvPr>
@@ -1450,7 +1450,7 @@
           <a:bodyPr/>
           <a:lstStyle/>
           <a:p>
-            <a:fld id="{856D5DB6-B112-4DAD-84FD-D429EB0773B6}" type="slidenum">
+            <a:fld id="{4412C805-8376-44DE-9239-E941043B9C40}" type="slidenum">
               <a:rPr lang="zh-CN" altLang="en-US" smtClean="0"/>
               <a:t>‹#›</a:t>
             </a:fld>
@@ -1461,7 +1461,7 @@
     </p:spTree>
     <p:extLst>
       <p:ext uri="{BB962C8B-B14F-4D97-AF65-F5344CB8AC3E}">
-        <p14:creationId xmlns:p14="http://schemas.microsoft.com/office/powerpoint/2010/main" val="3325604688"/>
+        <p14:creationId xmlns:p14="http://schemas.microsoft.com/office/powerpoint/2010/main" val="3406499510"/>
       </p:ext>
     </p:extLst>
   </p:cSld>
@@ -1493,7 +1493,7 @@
           <p:cNvPr id="2" name="标题 1">
             <a:extLst>
               <a:ext uri="{FF2B5EF4-FFF2-40B4-BE49-F238E27FC236}">
-                <a16:creationId xmlns:a16="http://schemas.microsoft.com/office/drawing/2014/main" id="{150E6C2F-B3ED-C3AF-9CF0-3F7AB6334731}"/>
+                <a16:creationId xmlns:a16="http://schemas.microsoft.com/office/drawing/2014/main" id="{BD8AB31E-EBE4-0647-EBBF-8AEF8B8AE8EC}"/>
               </a:ext>
             </a:extLst>
           </p:cNvPr>
@@ -1526,7 +1526,7 @@
           <p:cNvPr id="3" name="文本占位符 2">
             <a:extLst>
               <a:ext uri="{FF2B5EF4-FFF2-40B4-BE49-F238E27FC236}">
-                <a16:creationId xmlns:a16="http://schemas.microsoft.com/office/drawing/2014/main" id="{B9B25394-CD1C-90E0-FFDC-6052E96F0301}"/>
+                <a16:creationId xmlns:a16="http://schemas.microsoft.com/office/drawing/2014/main" id="{A4E37698-90C4-2A24-63F6-AA836E5AE9E8}"/>
               </a:ext>
             </a:extLst>
           </p:cNvPr>
@@ -1597,7 +1597,7 @@
           <p:cNvPr id="4" name="内容占位符 3">
             <a:extLst>
               <a:ext uri="{FF2B5EF4-FFF2-40B4-BE49-F238E27FC236}">
-                <a16:creationId xmlns:a16="http://schemas.microsoft.com/office/drawing/2014/main" id="{B25BB1A5-5C48-E1DA-3778-5E0342ED1237}"/>
+                <a16:creationId xmlns:a16="http://schemas.microsoft.com/office/drawing/2014/main" id="{B2596E68-CA8D-5DEA-24B0-58972F2CCFDB}"/>
               </a:ext>
             </a:extLst>
           </p:cNvPr>
@@ -1659,7 +1659,7 @@
           <p:cNvPr id="5" name="文本占位符 4">
             <a:extLst>
               <a:ext uri="{FF2B5EF4-FFF2-40B4-BE49-F238E27FC236}">
-                <a16:creationId xmlns:a16="http://schemas.microsoft.com/office/drawing/2014/main" id="{4FD7FA55-3253-161F-DB4D-1C5565BA7C06}"/>
+                <a16:creationId xmlns:a16="http://schemas.microsoft.com/office/drawing/2014/main" id="{C3AC6ADF-A980-5608-1F8F-1C68B2EFCBF1}"/>
               </a:ext>
             </a:extLst>
           </p:cNvPr>
@@ -1730,7 +1730,7 @@
           <p:cNvPr id="6" name="内容占位符 5">
             <a:extLst>
               <a:ext uri="{FF2B5EF4-FFF2-40B4-BE49-F238E27FC236}">
-                <a16:creationId xmlns:a16="http://schemas.microsoft.com/office/drawing/2014/main" id="{71FBE1B1-40D8-331D-95E6-4C52DD4AB4F0}"/>
+                <a16:creationId xmlns:a16="http://schemas.microsoft.com/office/drawing/2014/main" id="{4157A62A-46B0-8197-F4B2-5161BF7ED5BE}"/>
               </a:ext>
             </a:extLst>
           </p:cNvPr>
@@ -1792,7 +1792,7 @@
           <p:cNvPr id="7" name="日期占位符 6">
             <a:extLst>
               <a:ext uri="{FF2B5EF4-FFF2-40B4-BE49-F238E27FC236}">
-                <a16:creationId xmlns:a16="http://schemas.microsoft.com/office/drawing/2014/main" id="{5E7C8D22-7AAE-D3A1-970E-DF5A77B42A50}"/>
+                <a16:creationId xmlns:a16="http://schemas.microsoft.com/office/drawing/2014/main" id="{E8ACEBE0-FDF0-47EB-0864-45F212809FC3}"/>
               </a:ext>
             </a:extLst>
           </p:cNvPr>
@@ -1808,7 +1808,7 @@
           <a:bodyPr/>
           <a:lstStyle/>
           <a:p>
-            <a:fld id="{AD7CA53B-39E4-42D0-AC12-6BF0037CC133}" type="datetimeFigureOut">
+            <a:fld id="{01F56F21-9B61-43E1-8744-1381730B6C78}" type="datetimeFigureOut">
               <a:rPr lang="zh-CN" altLang="en-US" smtClean="0"/>
               <a:t>2024/3/10</a:t>
             </a:fld>
@@ -1821,7 +1821,7 @@
           <p:cNvPr id="8" name="页脚占位符 7">
             <a:extLst>
               <a:ext uri="{FF2B5EF4-FFF2-40B4-BE49-F238E27FC236}">
-                <a16:creationId xmlns:a16="http://schemas.microsoft.com/office/drawing/2014/main" id="{9AFE5236-4D48-3EAA-46DF-0309AEC82FA5}"/>
+                <a16:creationId xmlns:a16="http://schemas.microsoft.com/office/drawing/2014/main" id="{5946290E-1A23-A85B-165E-6389B4EF8656}"/>
               </a:ext>
             </a:extLst>
           </p:cNvPr>
@@ -1846,7 +1846,7 @@
           <p:cNvPr id="9" name="灯片编号占位符 8">
             <a:extLst>
               <a:ext uri="{FF2B5EF4-FFF2-40B4-BE49-F238E27FC236}">
-                <a16:creationId xmlns:a16="http://schemas.microsoft.com/office/drawing/2014/main" id="{1B7DB4FB-4A2D-22C5-EC5B-7CD0E903ECA0}"/>
+                <a16:creationId xmlns:a16="http://schemas.microsoft.com/office/drawing/2014/main" id="{72317D86-F524-33B9-5645-8FB00C66B601}"/>
               </a:ext>
             </a:extLst>
           </p:cNvPr>
@@ -1862,7 +1862,7 @@
           <a:bodyPr/>
           <a:lstStyle/>
           <a:p>
-            <a:fld id="{856D5DB6-B112-4DAD-84FD-D429EB0773B6}" type="slidenum">
+            <a:fld id="{4412C805-8376-44DE-9239-E941043B9C40}" type="slidenum">
               <a:rPr lang="zh-CN" altLang="en-US" smtClean="0"/>
               <a:t>‹#›</a:t>
             </a:fld>
@@ -1873,7 +1873,7 @@
     </p:spTree>
     <p:extLst>
       <p:ext uri="{BB962C8B-B14F-4D97-AF65-F5344CB8AC3E}">
-        <p14:creationId xmlns:p14="http://schemas.microsoft.com/office/powerpoint/2010/main" val="1355693765"/>
+        <p14:creationId xmlns:p14="http://schemas.microsoft.com/office/powerpoint/2010/main" val="715481991"/>
       </p:ext>
     </p:extLst>
   </p:cSld>
@@ -1905,7 +1905,7 @@
           <p:cNvPr id="2" name="标题 1">
             <a:extLst>
               <a:ext uri="{FF2B5EF4-FFF2-40B4-BE49-F238E27FC236}">
-                <a16:creationId xmlns:a16="http://schemas.microsoft.com/office/drawing/2014/main" id="{B2DD4C13-664F-1CFB-F64E-ED56638A5F3D}"/>
+                <a16:creationId xmlns:a16="http://schemas.microsoft.com/office/drawing/2014/main" id="{E771E45F-7B6A-F6A6-7E39-BF90505253D7}"/>
               </a:ext>
             </a:extLst>
           </p:cNvPr>
@@ -1933,7 +1933,7 @@
           <p:cNvPr id="3" name="日期占位符 2">
             <a:extLst>
               <a:ext uri="{FF2B5EF4-FFF2-40B4-BE49-F238E27FC236}">
-                <a16:creationId xmlns:a16="http://schemas.microsoft.com/office/drawing/2014/main" id="{8F38EBFB-E98A-EF46-7EB1-1BD5B0770172}"/>
+                <a16:creationId xmlns:a16="http://schemas.microsoft.com/office/drawing/2014/main" id="{7C5A359F-DF15-2362-8A12-5F82F27F22E3}"/>
               </a:ext>
             </a:extLst>
           </p:cNvPr>
@@ -1949,7 +1949,7 @@
           <a:bodyPr/>
           <a:lstStyle/>
           <a:p>
-            <a:fld id="{AD7CA53B-39E4-42D0-AC12-6BF0037CC133}" type="datetimeFigureOut">
+            <a:fld id="{01F56F21-9B61-43E1-8744-1381730B6C78}" type="datetimeFigureOut">
               <a:rPr lang="zh-CN" altLang="en-US" smtClean="0"/>
               <a:t>2024/3/10</a:t>
             </a:fld>
@@ -1962,7 +1962,7 @@
           <p:cNvPr id="4" name="页脚占位符 3">
             <a:extLst>
               <a:ext uri="{FF2B5EF4-FFF2-40B4-BE49-F238E27FC236}">
-                <a16:creationId xmlns:a16="http://schemas.microsoft.com/office/drawing/2014/main" id="{4D206A3E-3054-DC88-6EDA-63F10090B42B}"/>
+                <a16:creationId xmlns:a16="http://schemas.microsoft.com/office/drawing/2014/main" id="{B9D7BEF0-576D-93EC-8D04-0E41EF47264F}"/>
               </a:ext>
             </a:extLst>
           </p:cNvPr>
@@ -1987,7 +1987,7 @@
           <p:cNvPr id="5" name="灯片编号占位符 4">
             <a:extLst>
               <a:ext uri="{FF2B5EF4-FFF2-40B4-BE49-F238E27FC236}">
-                <a16:creationId xmlns:a16="http://schemas.microsoft.com/office/drawing/2014/main" id="{E3A6F829-DE02-9716-BD71-044FCBE8DB5B}"/>
+                <a16:creationId xmlns:a16="http://schemas.microsoft.com/office/drawing/2014/main" id="{AC0AF6D4-0718-A14F-BDBB-05C9BC37E9DC}"/>
               </a:ext>
             </a:extLst>
           </p:cNvPr>
@@ -2003,7 +2003,7 @@
           <a:bodyPr/>
           <a:lstStyle/>
           <a:p>
-            <a:fld id="{856D5DB6-B112-4DAD-84FD-D429EB0773B6}" type="slidenum">
+            <a:fld id="{4412C805-8376-44DE-9239-E941043B9C40}" type="slidenum">
               <a:rPr lang="zh-CN" altLang="en-US" smtClean="0"/>
               <a:t>‹#›</a:t>
             </a:fld>
@@ -2014,7 +2014,7 @@
     </p:spTree>
     <p:extLst>
       <p:ext uri="{BB962C8B-B14F-4D97-AF65-F5344CB8AC3E}">
-        <p14:creationId xmlns:p14="http://schemas.microsoft.com/office/powerpoint/2010/main" val="1557372722"/>
+        <p14:creationId xmlns:p14="http://schemas.microsoft.com/office/powerpoint/2010/main" val="3152160997"/>
       </p:ext>
     </p:extLst>
   </p:cSld>
@@ -2046,7 +2046,7 @@
           <p:cNvPr id="2" name="日期占位符 1">
             <a:extLst>
               <a:ext uri="{FF2B5EF4-FFF2-40B4-BE49-F238E27FC236}">
-                <a16:creationId xmlns:a16="http://schemas.microsoft.com/office/drawing/2014/main" id="{34B12F9D-95E5-BCC6-42B3-E8062A109B1F}"/>
+                <a16:creationId xmlns:a16="http://schemas.microsoft.com/office/drawing/2014/main" id="{49241709-552B-CDE1-47DD-BA1D6E3268A6}"/>
               </a:ext>
             </a:extLst>
           </p:cNvPr>
@@ -2062,7 +2062,7 @@
           <a:bodyPr/>
           <a:lstStyle/>
           <a:p>
-            <a:fld id="{AD7CA53B-39E4-42D0-AC12-6BF0037CC133}" type="datetimeFigureOut">
+            <a:fld id="{01F56F21-9B61-43E1-8744-1381730B6C78}" type="datetimeFigureOut">
               <a:rPr lang="zh-CN" altLang="en-US" smtClean="0"/>
               <a:t>2024/3/10</a:t>
             </a:fld>
@@ -2075,7 +2075,7 @@
           <p:cNvPr id="3" name="页脚占位符 2">
             <a:extLst>
               <a:ext uri="{FF2B5EF4-FFF2-40B4-BE49-F238E27FC236}">
-                <a16:creationId xmlns:a16="http://schemas.microsoft.com/office/drawing/2014/main" id="{6D522ACA-2D5A-3DC0-44B7-A0E79FEE38E8}"/>
+                <a16:creationId xmlns:a16="http://schemas.microsoft.com/office/drawing/2014/main" id="{09FDC2BF-DFD5-42FE-DC2C-8C9584990EBE}"/>
               </a:ext>
             </a:extLst>
           </p:cNvPr>
@@ -2100,7 +2100,7 @@
           <p:cNvPr id="4" name="灯片编号占位符 3">
             <a:extLst>
               <a:ext uri="{FF2B5EF4-FFF2-40B4-BE49-F238E27FC236}">
-                <a16:creationId xmlns:a16="http://schemas.microsoft.com/office/drawing/2014/main" id="{D0EDE0EB-69F6-1550-D8F9-2C435C506CB2}"/>
+                <a16:creationId xmlns:a16="http://schemas.microsoft.com/office/drawing/2014/main" id="{7E5FCC30-FCE4-726D-D7C1-3E6A667D3C50}"/>
               </a:ext>
             </a:extLst>
           </p:cNvPr>
@@ -2116,7 +2116,7 @@
           <a:bodyPr/>
           <a:lstStyle/>
           <a:p>
-            <a:fld id="{856D5DB6-B112-4DAD-84FD-D429EB0773B6}" type="slidenum">
+            <a:fld id="{4412C805-8376-44DE-9239-E941043B9C40}" type="slidenum">
               <a:rPr lang="zh-CN" altLang="en-US" smtClean="0"/>
               <a:t>‹#›</a:t>
             </a:fld>
@@ -2127,7 +2127,7 @@
     </p:spTree>
     <p:extLst>
       <p:ext uri="{BB962C8B-B14F-4D97-AF65-F5344CB8AC3E}">
-        <p14:creationId xmlns:p14="http://schemas.microsoft.com/office/powerpoint/2010/main" val="2956848424"/>
+        <p14:creationId xmlns:p14="http://schemas.microsoft.com/office/powerpoint/2010/main" val="2549461107"/>
       </p:ext>
     </p:extLst>
   </p:cSld>
@@ -2159,7 +2159,7 @@
           <p:cNvPr id="2" name="标题 1">
             <a:extLst>
               <a:ext uri="{FF2B5EF4-FFF2-40B4-BE49-F238E27FC236}">
-                <a16:creationId xmlns:a16="http://schemas.microsoft.com/office/drawing/2014/main" id="{121F2B4A-FC56-94D4-4AB8-603475C91BEB}"/>
+                <a16:creationId xmlns:a16="http://schemas.microsoft.com/office/drawing/2014/main" id="{8A42177A-2019-3C59-AA73-9D843CED383D}"/>
               </a:ext>
             </a:extLst>
           </p:cNvPr>
@@ -2196,7 +2196,7 @@
           <p:cNvPr id="3" name="内容占位符 2">
             <a:extLst>
               <a:ext uri="{FF2B5EF4-FFF2-40B4-BE49-F238E27FC236}">
-                <a16:creationId xmlns:a16="http://schemas.microsoft.com/office/drawing/2014/main" id="{4BCD3215-BBEC-D123-7F21-9FFE6ECCE811}"/>
+                <a16:creationId xmlns:a16="http://schemas.microsoft.com/office/drawing/2014/main" id="{1BF854E6-BECA-48EB-8F32-C712CEB9C425}"/>
               </a:ext>
             </a:extLst>
           </p:cNvPr>
@@ -2286,7 +2286,7 @@
           <p:cNvPr id="4" name="文本占位符 3">
             <a:extLst>
               <a:ext uri="{FF2B5EF4-FFF2-40B4-BE49-F238E27FC236}">
-                <a16:creationId xmlns:a16="http://schemas.microsoft.com/office/drawing/2014/main" id="{A94678EF-025D-628A-094B-1E355C0498CB}"/>
+                <a16:creationId xmlns:a16="http://schemas.microsoft.com/office/drawing/2014/main" id="{783DAD7C-DB59-7EC5-E1E8-B8F37B00374E}"/>
               </a:ext>
             </a:extLst>
           </p:cNvPr>
@@ -2357,7 +2357,7 @@
           <p:cNvPr id="5" name="日期占位符 4">
             <a:extLst>
               <a:ext uri="{FF2B5EF4-FFF2-40B4-BE49-F238E27FC236}">
-                <a16:creationId xmlns:a16="http://schemas.microsoft.com/office/drawing/2014/main" id="{24945341-2CF5-B985-5FA4-1A9928900A44}"/>
+                <a16:creationId xmlns:a16="http://schemas.microsoft.com/office/drawing/2014/main" id="{4B91CFBF-812B-34B8-8A13-3519A6A1E8AF}"/>
               </a:ext>
             </a:extLst>
           </p:cNvPr>
@@ -2373,7 +2373,7 @@
           <a:bodyPr/>
           <a:lstStyle/>
           <a:p>
-            <a:fld id="{AD7CA53B-39E4-42D0-AC12-6BF0037CC133}" type="datetimeFigureOut">
+            <a:fld id="{01F56F21-9B61-43E1-8744-1381730B6C78}" type="datetimeFigureOut">
               <a:rPr lang="zh-CN" altLang="en-US" smtClean="0"/>
               <a:t>2024/3/10</a:t>
             </a:fld>
@@ -2386,7 +2386,7 @@
           <p:cNvPr id="6" name="页脚占位符 5">
             <a:extLst>
               <a:ext uri="{FF2B5EF4-FFF2-40B4-BE49-F238E27FC236}">
-                <a16:creationId xmlns:a16="http://schemas.microsoft.com/office/drawing/2014/main" id="{AF7FF0D5-544D-AE6C-1E6D-A2CA8DE1A3EA}"/>
+                <a16:creationId xmlns:a16="http://schemas.microsoft.com/office/drawing/2014/main" id="{6BAD4920-7A47-160A-8869-538FC7C02F8B}"/>
               </a:ext>
             </a:extLst>
           </p:cNvPr>
@@ -2411,7 +2411,7 @@
           <p:cNvPr id="7" name="灯片编号占位符 6">
             <a:extLst>
               <a:ext uri="{FF2B5EF4-FFF2-40B4-BE49-F238E27FC236}">
-                <a16:creationId xmlns:a16="http://schemas.microsoft.com/office/drawing/2014/main" id="{58E7E579-92ED-22F0-2949-2F1D895CB6D8}"/>
+                <a16:creationId xmlns:a16="http://schemas.microsoft.com/office/drawing/2014/main" id="{B6A1E045-D890-508D-32ED-63DF0FAE5ADD}"/>
               </a:ext>
             </a:extLst>
           </p:cNvPr>
@@ -2427,7 +2427,7 @@
           <a:bodyPr/>
           <a:lstStyle/>
           <a:p>
-            <a:fld id="{856D5DB6-B112-4DAD-84FD-D429EB0773B6}" type="slidenum">
+            <a:fld id="{4412C805-8376-44DE-9239-E941043B9C40}" type="slidenum">
               <a:rPr lang="zh-CN" altLang="en-US" smtClean="0"/>
               <a:t>‹#›</a:t>
             </a:fld>
@@ -2438,7 +2438,7 @@
     </p:spTree>
     <p:extLst>
       <p:ext uri="{BB962C8B-B14F-4D97-AF65-F5344CB8AC3E}">
-        <p14:creationId xmlns:p14="http://schemas.microsoft.com/office/powerpoint/2010/main" val="1408295678"/>
+        <p14:creationId xmlns:p14="http://schemas.microsoft.com/office/powerpoint/2010/main" val="916054543"/>
       </p:ext>
     </p:extLst>
   </p:cSld>
@@ -2470,7 +2470,7 @@
           <p:cNvPr id="2" name="标题 1">
             <a:extLst>
               <a:ext uri="{FF2B5EF4-FFF2-40B4-BE49-F238E27FC236}">
-                <a16:creationId xmlns:a16="http://schemas.microsoft.com/office/drawing/2014/main" id="{72B557E7-5510-267E-D1FF-7BEDA4321C75}"/>
+                <a16:creationId xmlns:a16="http://schemas.microsoft.com/office/drawing/2014/main" id="{99791214-FBAF-B131-AA7C-412F1CC389DE}"/>
               </a:ext>
             </a:extLst>
           </p:cNvPr>
@@ -2507,7 +2507,7 @@
           <p:cNvPr id="3" name="图片占位符 2">
             <a:extLst>
               <a:ext uri="{FF2B5EF4-FFF2-40B4-BE49-F238E27FC236}">
-                <a16:creationId xmlns:a16="http://schemas.microsoft.com/office/drawing/2014/main" id="{AC331185-AC7E-EF66-060F-B5E737976D57}"/>
+                <a16:creationId xmlns:a16="http://schemas.microsoft.com/office/drawing/2014/main" id="{E04303D1-9F72-0B24-A08B-0BC60DD54806}"/>
               </a:ext>
             </a:extLst>
           </p:cNvPr>
@@ -2574,7 +2574,7 @@
           <p:cNvPr id="4" name="文本占位符 3">
             <a:extLst>
               <a:ext uri="{FF2B5EF4-FFF2-40B4-BE49-F238E27FC236}">
-                <a16:creationId xmlns:a16="http://schemas.microsoft.com/office/drawing/2014/main" id="{7835D70C-D95A-8B61-4298-987A5B906879}"/>
+                <a16:creationId xmlns:a16="http://schemas.microsoft.com/office/drawing/2014/main" id="{14F8119D-7523-71EF-7850-0981E6856827}"/>
               </a:ext>
             </a:extLst>
           </p:cNvPr>
@@ -2645,7 +2645,7 @@
           <p:cNvPr id="5" name="日期占位符 4">
             <a:extLst>
               <a:ext uri="{FF2B5EF4-FFF2-40B4-BE49-F238E27FC236}">
-                <a16:creationId xmlns:a16="http://schemas.microsoft.com/office/drawing/2014/main" id="{77A1B648-5165-F28C-904A-F2797D164570}"/>
+                <a16:creationId xmlns:a16="http://schemas.microsoft.com/office/drawing/2014/main" id="{15B48382-689B-9CE6-4419-B390DE43A834}"/>
               </a:ext>
             </a:extLst>
           </p:cNvPr>
@@ -2661,7 +2661,7 @@
           <a:bodyPr/>
           <a:lstStyle/>
           <a:p>
-            <a:fld id="{AD7CA53B-39E4-42D0-AC12-6BF0037CC133}" type="datetimeFigureOut">
+            <a:fld id="{01F56F21-9B61-43E1-8744-1381730B6C78}" type="datetimeFigureOut">
               <a:rPr lang="zh-CN" altLang="en-US" smtClean="0"/>
               <a:t>2024/3/10</a:t>
             </a:fld>
@@ -2674,7 +2674,7 @@
           <p:cNvPr id="6" name="页脚占位符 5">
             <a:extLst>
               <a:ext uri="{FF2B5EF4-FFF2-40B4-BE49-F238E27FC236}">
-                <a16:creationId xmlns:a16="http://schemas.microsoft.com/office/drawing/2014/main" id="{049C3AAB-DE4C-2190-5B56-A59CF286F375}"/>
+                <a16:creationId xmlns:a16="http://schemas.microsoft.com/office/drawing/2014/main" id="{A7167004-F21F-32B6-933E-DBAF4E946F64}"/>
               </a:ext>
             </a:extLst>
           </p:cNvPr>
@@ -2699,7 +2699,7 @@
           <p:cNvPr id="7" name="灯片编号占位符 6">
             <a:extLst>
               <a:ext uri="{FF2B5EF4-FFF2-40B4-BE49-F238E27FC236}">
-                <a16:creationId xmlns:a16="http://schemas.microsoft.com/office/drawing/2014/main" id="{26E4BDC6-7BD6-BAD9-FE7C-F75FDCC76E82}"/>
+                <a16:creationId xmlns:a16="http://schemas.microsoft.com/office/drawing/2014/main" id="{46048116-3201-DB1F-2A89-3CE95A549B24}"/>
               </a:ext>
             </a:extLst>
           </p:cNvPr>
@@ -2715,7 +2715,7 @@
           <a:bodyPr/>
           <a:lstStyle/>
           <a:p>
-            <a:fld id="{856D5DB6-B112-4DAD-84FD-D429EB0773B6}" type="slidenum">
+            <a:fld id="{4412C805-8376-44DE-9239-E941043B9C40}" type="slidenum">
               <a:rPr lang="zh-CN" altLang="en-US" smtClean="0"/>
               <a:t>‹#›</a:t>
             </a:fld>
@@ -2726,7 +2726,7 @@
     </p:spTree>
     <p:extLst>
       <p:ext uri="{BB962C8B-B14F-4D97-AF65-F5344CB8AC3E}">
-        <p14:creationId xmlns:p14="http://schemas.microsoft.com/office/powerpoint/2010/main" val="2151349934"/>
+        <p14:creationId xmlns:p14="http://schemas.microsoft.com/office/powerpoint/2010/main" val="4234869494"/>
       </p:ext>
     </p:extLst>
   </p:cSld>
@@ -2763,7 +2763,7 @@
           <p:cNvPr id="2" name="标题占位符 1">
             <a:extLst>
               <a:ext uri="{FF2B5EF4-FFF2-40B4-BE49-F238E27FC236}">
-                <a16:creationId xmlns:a16="http://schemas.microsoft.com/office/drawing/2014/main" id="{B665D90A-6B4D-A410-F7AD-2A673C30ADE6}"/>
+                <a16:creationId xmlns:a16="http://schemas.microsoft.com/office/drawing/2014/main" id="{872C614E-B58B-4938-8F69-D72D3417B40B}"/>
               </a:ext>
             </a:extLst>
           </p:cNvPr>
@@ -2801,7 +2801,7 @@
           <p:cNvPr id="3" name="文本占位符 2">
             <a:extLst>
               <a:ext uri="{FF2B5EF4-FFF2-40B4-BE49-F238E27FC236}">
-                <a16:creationId xmlns:a16="http://schemas.microsoft.com/office/drawing/2014/main" id="{21D8E908-1425-7C0B-D1EC-75CFFE433D48}"/>
+                <a16:creationId xmlns:a16="http://schemas.microsoft.com/office/drawing/2014/main" id="{83842E13-9AAB-F78D-1284-B917A1BA64C6}"/>
               </a:ext>
             </a:extLst>
           </p:cNvPr>
@@ -2868,7 +2868,7 @@
           <p:cNvPr id="4" name="日期占位符 3">
             <a:extLst>
               <a:ext uri="{FF2B5EF4-FFF2-40B4-BE49-F238E27FC236}">
-                <a16:creationId xmlns:a16="http://schemas.microsoft.com/office/drawing/2014/main" id="{866DEFE9-57DA-0E3E-B9CA-A80E29F8141D}"/>
+                <a16:creationId xmlns:a16="http://schemas.microsoft.com/office/drawing/2014/main" id="{8342FB5B-F55C-4962-33B1-AC9B1CA5DF68}"/>
               </a:ext>
             </a:extLst>
           </p:cNvPr>
@@ -2902,7 +2902,7 @@
             </a:lvl1pPr>
           </a:lstStyle>
           <a:p>
-            <a:fld id="{AD7CA53B-39E4-42D0-AC12-6BF0037CC133}" type="datetimeFigureOut">
+            <a:fld id="{01F56F21-9B61-43E1-8744-1381730B6C78}" type="datetimeFigureOut">
               <a:rPr lang="zh-CN" altLang="en-US" smtClean="0"/>
               <a:t>2024/3/10</a:t>
             </a:fld>
@@ -2915,7 +2915,7 @@
           <p:cNvPr id="5" name="页脚占位符 4">
             <a:extLst>
               <a:ext uri="{FF2B5EF4-FFF2-40B4-BE49-F238E27FC236}">
-                <a16:creationId xmlns:a16="http://schemas.microsoft.com/office/drawing/2014/main" id="{6A0F5346-41E3-4DCF-221D-CA54D2C0BA38}"/>
+                <a16:creationId xmlns:a16="http://schemas.microsoft.com/office/drawing/2014/main" id="{CC0CFE5B-5158-83D5-F667-AA5B6C8EF897}"/>
               </a:ext>
             </a:extLst>
           </p:cNvPr>
@@ -2958,7 +2958,7 @@
           <p:cNvPr id="6" name="灯片编号占位符 5">
             <a:extLst>
               <a:ext uri="{FF2B5EF4-FFF2-40B4-BE49-F238E27FC236}">
-                <a16:creationId xmlns:a16="http://schemas.microsoft.com/office/drawing/2014/main" id="{6E9A322E-AED5-EE6A-2CE5-F8DE3CFCB582}"/>
+                <a16:creationId xmlns:a16="http://schemas.microsoft.com/office/drawing/2014/main" id="{60BB56B4-8623-354E-533D-C8B9F91F613D}"/>
               </a:ext>
             </a:extLst>
           </p:cNvPr>
@@ -2992,7 +2992,7 @@
             </a:lvl1pPr>
           </a:lstStyle>
           <a:p>
-            <a:fld id="{856D5DB6-B112-4DAD-84FD-D429EB0773B6}" type="slidenum">
+            <a:fld id="{4412C805-8376-44DE-9239-E941043B9C40}" type="slidenum">
               <a:rPr lang="zh-CN" altLang="en-US" smtClean="0"/>
               <a:t>‹#›</a:t>
             </a:fld>
@@ -3003,7 +3003,7 @@
     </p:spTree>
     <p:extLst>
       <p:ext uri="{BB962C8B-B14F-4D97-AF65-F5344CB8AC3E}">
-        <p14:creationId xmlns:p14="http://schemas.microsoft.com/office/powerpoint/2010/main" val="3060380490"/>
+        <p14:creationId xmlns:p14="http://schemas.microsoft.com/office/powerpoint/2010/main" val="2044740326"/>
       </p:ext>
     </p:extLst>
   </p:cSld>
@@ -3323,7 +3323,7 @@
       </p:grpSpPr>
       <p:pic>
         <p:nvPicPr>
-          <p:cNvPr id="589826" name="Picture 2" descr="575"/>
+          <p:cNvPr id="590850" name="Picture 2" descr="576"/>
           <p:cNvPicPr>
             <a:picLocks noChangeAspect="1" noChangeArrowheads="1"/>
           </p:cNvPicPr>
